--- a/Final/presentation/rigid_body_simulation.pptx
+++ b/Final/presentation/rigid_body_simulation.pptx
@@ -3821,7 +3821,9 @@
         </p:nvSpPr>
         <p:spPr/>
         <p:txBody>
-          <a:bodyPr/>
+          <a:bodyPr>
+            <a:normAutofit fontScale="92500" lnSpcReduction="20000"/>
+          </a:bodyPr>
           <a:lstStyle/>
           <a:p>
             <a:r>
@@ -3859,6 +3861,9 @@
               <a:rPr lang="de-AT" dirty="0"/>
               <a:t>²)</a:t>
             </a:r>
+          </a:p>
+          <a:p>
+            <a:pPr lvl="1"/>
             <a:endParaRPr lang="en-GB" dirty="0"/>
           </a:p>
           <a:p>
@@ -3870,29 +3875,40 @@
           <a:p>
             <a:pPr lvl="1"/>
             <a:r>
+              <a:rPr lang="en-GB" sz="2600" dirty="0"/>
+              <a:t>Additionally</a:t>
+            </a:r>
+            <a:endParaRPr lang="en-GB" dirty="0"/>
+          </a:p>
+          <a:p>
+            <a:pPr lvl="2"/>
+            <a:r>
+              <a:rPr lang="en-GB" sz="2200" dirty="0"/>
+              <a:t>Friction</a:t>
+            </a:r>
+          </a:p>
+          <a:p>
+            <a:pPr lvl="2"/>
+            <a:r>
+              <a:rPr lang="en-GB" sz="2200" dirty="0"/>
+              <a:t>Position correction</a:t>
+            </a:r>
+          </a:p>
+          <a:p>
+            <a:pPr lvl="2"/>
+            <a:r>
+              <a:rPr lang="en-GB" sz="2200" dirty="0"/>
+              <a:t>Slop</a:t>
+            </a:r>
+          </a:p>
+          <a:p>
+            <a:pPr lvl="2"/>
+            <a:endParaRPr lang="en-GB" dirty="0"/>
+          </a:p>
+          <a:p>
+            <a:r>
               <a:rPr lang="en-GB" dirty="0"/>
-              <a:t>Additionally</a:t>
-            </a:r>
-          </a:p>
-          <a:p>
-            <a:pPr lvl="2"/>
-            <a:r>
-              <a:rPr lang="en-GB" dirty="0"/>
-              <a:t>Friction</a:t>
-            </a:r>
-          </a:p>
-          <a:p>
-            <a:pPr lvl="2"/>
-            <a:r>
-              <a:rPr lang="en-GB" dirty="0"/>
-              <a:t>Position correction</a:t>
-            </a:r>
-          </a:p>
-          <a:p>
-            <a:pPr lvl="2"/>
-            <a:r>
-              <a:rPr lang="en-GB" dirty="0"/>
-              <a:t>Slop</a:t>
+              <a:t>OpenMP parallelization</a:t>
             </a:r>
           </a:p>
           <a:p>
